--- a/MTP-Tool/GGI ExO Tools MTP - FINAL 2018-05-15 r1-1.pptx
+++ b/MTP-Tool/GGI ExO Tools MTP - FINAL 2018-05-15 r1-1.pptx
@@ -209,7 +209,7 @@
           <a:p>
             <a:fld id="{FDBA7625-EBF3-8149-B43D-87E07FB0B15A}" type="datetimeFigureOut">
               <a:rPr lang="en-US" smtClean="0"/>
-              <a:t>5/15/18</a:t>
+              <a:t>1/25/19</a:t>
             </a:fld>
             <a:endParaRPr lang="en-US"/>
           </a:p>
